--- a/DrawDICOM1.pptx
+++ b/DrawDICOM1.pptx
@@ -245,7 +245,7 @@
           <a:p>
             <a:fld id="{FD30E971-D1D3-4B0D-B02A-F36757F13815}" type="datetimeFigureOut">
               <a:rPr lang="zh-TW" altLang="en-US" smtClean="0"/>
-              <a:t>2021/6/20</a:t>
+              <a:t>2021/8/11</a:t>
             </a:fld>
             <a:endParaRPr lang="zh-TW" altLang="en-US"/>
           </a:p>
@@ -781,7 +781,7 @@
             <a:fld id="{BB12B589-21DE-46A2-AF91-CC043ECE94FC}" type="datetimeFigureOut">
               <a:rPr lang="zh-CN" altLang="en-US" smtClean="0"/>
               <a:pPr/>
-              <a:t>2021/6/20</a:t>
+              <a:t>2021/8/11</a:t>
             </a:fld>
             <a:endParaRPr lang="zh-CN" altLang="en-US"/>
           </a:p>
@@ -951,7 +951,7 @@
             <a:fld id="{BB12B589-21DE-46A2-AF91-CC043ECE94FC}" type="datetimeFigureOut">
               <a:rPr lang="zh-CN" altLang="en-US" smtClean="0"/>
               <a:pPr/>
-              <a:t>2021/6/20</a:t>
+              <a:t>2021/8/11</a:t>
             </a:fld>
             <a:endParaRPr lang="zh-CN" altLang="en-US"/>
           </a:p>
@@ -1131,7 +1131,7 @@
             <a:fld id="{BB12B589-21DE-46A2-AF91-CC043ECE94FC}" type="datetimeFigureOut">
               <a:rPr lang="zh-CN" altLang="en-US" smtClean="0"/>
               <a:pPr/>
-              <a:t>2021/6/20</a:t>
+              <a:t>2021/8/11</a:t>
             </a:fld>
             <a:endParaRPr lang="zh-CN" altLang="en-US"/>
           </a:p>
@@ -1301,7 +1301,7 @@
             <a:fld id="{BB12B589-21DE-46A2-AF91-CC043ECE94FC}" type="datetimeFigureOut">
               <a:rPr lang="zh-CN" altLang="en-US" smtClean="0"/>
               <a:pPr/>
-              <a:t>2021/6/20</a:t>
+              <a:t>2021/8/11</a:t>
             </a:fld>
             <a:endParaRPr lang="zh-CN" altLang="en-US"/>
           </a:p>
@@ -1548,7 +1548,7 @@
             <a:fld id="{BB12B589-21DE-46A2-AF91-CC043ECE94FC}" type="datetimeFigureOut">
               <a:rPr lang="zh-CN" altLang="en-US" smtClean="0"/>
               <a:pPr/>
-              <a:t>2021/6/20</a:t>
+              <a:t>2021/8/11</a:t>
             </a:fld>
             <a:endParaRPr lang="zh-CN" altLang="en-US"/>
           </a:p>
@@ -1835,7 +1835,7 @@
             <a:fld id="{BB12B589-21DE-46A2-AF91-CC043ECE94FC}" type="datetimeFigureOut">
               <a:rPr lang="zh-CN" altLang="en-US" smtClean="0"/>
               <a:pPr/>
-              <a:t>2021/6/20</a:t>
+              <a:t>2021/8/11</a:t>
             </a:fld>
             <a:endParaRPr lang="zh-CN" altLang="en-US"/>
           </a:p>
@@ -2261,7 +2261,7 @@
             <a:fld id="{BB12B589-21DE-46A2-AF91-CC043ECE94FC}" type="datetimeFigureOut">
               <a:rPr lang="zh-CN" altLang="en-US" smtClean="0"/>
               <a:pPr/>
-              <a:t>2021/6/20</a:t>
+              <a:t>2021/8/11</a:t>
             </a:fld>
             <a:endParaRPr lang="zh-CN" altLang="en-US"/>
           </a:p>
@@ -2380,7 +2380,7 @@
             <a:fld id="{BB12B589-21DE-46A2-AF91-CC043ECE94FC}" type="datetimeFigureOut">
               <a:rPr lang="zh-CN" altLang="en-US" smtClean="0"/>
               <a:pPr/>
-              <a:t>2021/6/20</a:t>
+              <a:t>2021/8/11</a:t>
             </a:fld>
             <a:endParaRPr lang="zh-CN" altLang="en-US"/>
           </a:p>
@@ -2477,7 +2477,7 @@
             <a:fld id="{BB12B589-21DE-46A2-AF91-CC043ECE94FC}" type="datetimeFigureOut">
               <a:rPr lang="zh-CN" altLang="en-US" smtClean="0"/>
               <a:pPr/>
-              <a:t>2021/6/20</a:t>
+              <a:t>2021/8/11</a:t>
             </a:fld>
             <a:endParaRPr lang="zh-CN" altLang="en-US"/>
           </a:p>
@@ -2754,7 +2754,7 @@
             <a:fld id="{BB12B589-21DE-46A2-AF91-CC043ECE94FC}" type="datetimeFigureOut">
               <a:rPr lang="zh-CN" altLang="en-US" smtClean="0"/>
               <a:pPr/>
-              <a:t>2021/6/20</a:t>
+              <a:t>2021/8/11</a:t>
             </a:fld>
             <a:endParaRPr lang="zh-CN" altLang="en-US"/>
           </a:p>
@@ -3008,7 +3008,7 @@
             <a:fld id="{BB12B589-21DE-46A2-AF91-CC043ECE94FC}" type="datetimeFigureOut">
               <a:rPr lang="zh-CN" altLang="en-US" smtClean="0"/>
               <a:pPr/>
-              <a:t>2021/6/20</a:t>
+              <a:t>2021/8/11</a:t>
             </a:fld>
             <a:endParaRPr lang="zh-CN" altLang="en-US"/>
           </a:p>
@@ -3221,7 +3221,7 @@
             <a:fld id="{BB12B589-21DE-46A2-AF91-CC043ECE94FC}" type="datetimeFigureOut">
               <a:rPr lang="zh-CN" altLang="en-US" smtClean="0"/>
               <a:pPr/>
-              <a:t>2021/6/20</a:t>
+              <a:t>2021/8/11</a:t>
             </a:fld>
             <a:endParaRPr lang="zh-CN" altLang="en-US"/>
           </a:p>
@@ -7481,7 +7481,7 @@
           <a:graphicData uri="http://schemas.openxmlformats.org/presentationml/2006/ole">
             <mc:AlternateContent xmlns:mc="http://schemas.openxmlformats.org/markup-compatibility/2006">
               <mc:Choice xmlns:v="urn:schemas-microsoft-com:vml" Requires="v">
-                <p:oleObj spid="_x0000_s1045" name="文件" r:id="rId3" imgW="5703858" imgH="4487569" progId="Word.Document.8">
+                <p:oleObj spid="_x0000_s1046" name="文件" r:id="rId3" imgW="5703858" imgH="4487569" progId="Word.Document.8">
                   <p:embed/>
                 </p:oleObj>
               </mc:Choice>
@@ -10950,7 +10950,7 @@
           <a:graphicData uri="http://schemas.openxmlformats.org/presentationml/2006/ole">
             <mc:AlternateContent xmlns:mc="http://schemas.openxmlformats.org/markup-compatibility/2006">
               <mc:Choice xmlns:v="urn:schemas-microsoft-com:vml" Requires="v">
-                <p:oleObj spid="_x0000_s2069" name="文件" r:id="rId3" imgW="5713216" imgH="4487569" progId="Word.Document.8">
+                <p:oleObj spid="_x0000_s2070" name="文件" r:id="rId3" imgW="5713216" imgH="4487569" progId="Word.Document.8">
                   <p:embed/>
                 </p:oleObj>
               </mc:Choice>
